--- a/ppt 16-9/0494.快去传扬.pptx
+++ b/ppt 16-9/0494.快去传扬.pptx
@@ -5,7 +5,7 @@
     <p:sldMasterId id="2147483648" r:id="rId1"/>
   </p:sldMasterIdLst>
   <p:sldIdLst>
-    <p:sldId id="3006" r:id="rId2"/>
+    <p:sldId id="3007" r:id="rId2"/>
   </p:sldIdLst>
   <p:sldSz cx="12192000" cy="6858000"/>
   <p:notesSz cx="6858000" cy="9144000"/>
@@ -129,7 +129,7 @@
           <p:cNvPr id="2" name="标题 1">
             <a:extLst>
               <a:ext uri="{FF2B5EF4-FFF2-40B4-BE49-F238E27FC236}">
-                <a16:creationId xmlns:a16="http://schemas.microsoft.com/office/drawing/2014/main" id="{BFE6139A-5921-6742-375F-DBD56594AF26}"/>
+                <a16:creationId xmlns:a16="http://schemas.microsoft.com/office/drawing/2014/main" id="{1F621120-C898-F0A2-B403-26612BA31C23}"/>
               </a:ext>
             </a:extLst>
           </p:cNvPr>
@@ -166,7 +166,7 @@
           <p:cNvPr id="3" name="副标题 2">
             <a:extLst>
               <a:ext uri="{FF2B5EF4-FFF2-40B4-BE49-F238E27FC236}">
-                <a16:creationId xmlns:a16="http://schemas.microsoft.com/office/drawing/2014/main" id="{D0A16578-7FCE-7DBC-64B1-7E422D80C595}"/>
+                <a16:creationId xmlns:a16="http://schemas.microsoft.com/office/drawing/2014/main" id="{6D7FA584-B387-F2E6-3FBE-11F39C9862E9}"/>
               </a:ext>
             </a:extLst>
           </p:cNvPr>
@@ -236,7 +236,7 @@
           <p:cNvPr id="4" name="日期占位符 3">
             <a:extLst>
               <a:ext uri="{FF2B5EF4-FFF2-40B4-BE49-F238E27FC236}">
-                <a16:creationId xmlns:a16="http://schemas.microsoft.com/office/drawing/2014/main" id="{970EFF9B-4EA7-DD02-B9E5-BF781C055B9E}"/>
+                <a16:creationId xmlns:a16="http://schemas.microsoft.com/office/drawing/2014/main" id="{D80BF708-45A5-F3C6-F6E3-88327E60204C}"/>
               </a:ext>
             </a:extLst>
           </p:cNvPr>
@@ -252,7 +252,7 @@
           <a:bodyPr/>
           <a:lstStyle/>
           <a:p>
-            <a:fld id="{321D6D54-3BD6-4809-A21A-BB3B456264A9}" type="datetimeFigureOut">
+            <a:fld id="{2545DA2B-D12F-4645-85EB-B8C7DA9C8F22}" type="datetimeFigureOut">
               <a:rPr lang="zh-CN" altLang="en-US" smtClean="0"/>
               <a:t>2024/3/10</a:t>
             </a:fld>
@@ -265,7 +265,7 @@
           <p:cNvPr id="5" name="页脚占位符 4">
             <a:extLst>
               <a:ext uri="{FF2B5EF4-FFF2-40B4-BE49-F238E27FC236}">
-                <a16:creationId xmlns:a16="http://schemas.microsoft.com/office/drawing/2014/main" id="{C30A8D63-859B-FE62-385C-1BBB114D8B41}"/>
+                <a16:creationId xmlns:a16="http://schemas.microsoft.com/office/drawing/2014/main" id="{11DB40E6-AD72-3A45-2E8A-27DC427C1F3F}"/>
               </a:ext>
             </a:extLst>
           </p:cNvPr>
@@ -290,7 +290,7 @@
           <p:cNvPr id="6" name="灯片编号占位符 5">
             <a:extLst>
               <a:ext uri="{FF2B5EF4-FFF2-40B4-BE49-F238E27FC236}">
-                <a16:creationId xmlns:a16="http://schemas.microsoft.com/office/drawing/2014/main" id="{B931DA5E-BBC2-DB54-A697-731499E3F698}"/>
+                <a16:creationId xmlns:a16="http://schemas.microsoft.com/office/drawing/2014/main" id="{FE60E73C-4792-334A-E7D5-2B30EA9DFB7D}"/>
               </a:ext>
             </a:extLst>
           </p:cNvPr>
@@ -306,7 +306,7 @@
           <a:bodyPr/>
           <a:lstStyle/>
           <a:p>
-            <a:fld id="{A7611182-53B8-4C0E-9C14-5250F0F6F3EC}" type="slidenum">
+            <a:fld id="{EAD6D1BA-BE3A-41BE-9B2C-02FDE2FD6E46}" type="slidenum">
               <a:rPr lang="zh-CN" altLang="en-US" smtClean="0"/>
               <a:t>‹#›</a:t>
             </a:fld>
@@ -317,7 +317,7 @@
     </p:spTree>
     <p:extLst>
       <p:ext uri="{BB962C8B-B14F-4D97-AF65-F5344CB8AC3E}">
-        <p14:creationId xmlns:p14="http://schemas.microsoft.com/office/powerpoint/2010/main" val="2181661748"/>
+        <p14:creationId xmlns:p14="http://schemas.microsoft.com/office/powerpoint/2010/main" val="2310135920"/>
       </p:ext>
     </p:extLst>
   </p:cSld>
@@ -349,7 +349,7 @@
           <p:cNvPr id="2" name="标题 1">
             <a:extLst>
               <a:ext uri="{FF2B5EF4-FFF2-40B4-BE49-F238E27FC236}">
-                <a16:creationId xmlns:a16="http://schemas.microsoft.com/office/drawing/2014/main" id="{C4FC4143-BB43-232A-2979-8391E4F06227}"/>
+                <a16:creationId xmlns:a16="http://schemas.microsoft.com/office/drawing/2014/main" id="{9E6B2891-F63E-77ED-66E1-51E0F10B2086}"/>
               </a:ext>
             </a:extLst>
           </p:cNvPr>
@@ -377,7 +377,7 @@
           <p:cNvPr id="3" name="竖排文字占位符 2">
             <a:extLst>
               <a:ext uri="{FF2B5EF4-FFF2-40B4-BE49-F238E27FC236}">
-                <a16:creationId xmlns:a16="http://schemas.microsoft.com/office/drawing/2014/main" id="{E1E9E601-90FE-A17A-CCDE-D0539399A2CF}"/>
+                <a16:creationId xmlns:a16="http://schemas.microsoft.com/office/drawing/2014/main" id="{6C8294D0-4499-068E-2476-94B1D1750214}"/>
               </a:ext>
             </a:extLst>
           </p:cNvPr>
@@ -434,7 +434,7 @@
           <p:cNvPr id="4" name="日期占位符 3">
             <a:extLst>
               <a:ext uri="{FF2B5EF4-FFF2-40B4-BE49-F238E27FC236}">
-                <a16:creationId xmlns:a16="http://schemas.microsoft.com/office/drawing/2014/main" id="{A7F2F110-507F-7150-9ECF-6BF964904D57}"/>
+                <a16:creationId xmlns:a16="http://schemas.microsoft.com/office/drawing/2014/main" id="{0DBF3CD0-C136-92D1-B650-8DDE490231F9}"/>
               </a:ext>
             </a:extLst>
           </p:cNvPr>
@@ -450,7 +450,7 @@
           <a:bodyPr/>
           <a:lstStyle/>
           <a:p>
-            <a:fld id="{321D6D54-3BD6-4809-A21A-BB3B456264A9}" type="datetimeFigureOut">
+            <a:fld id="{2545DA2B-D12F-4645-85EB-B8C7DA9C8F22}" type="datetimeFigureOut">
               <a:rPr lang="zh-CN" altLang="en-US" smtClean="0"/>
               <a:t>2024/3/10</a:t>
             </a:fld>
@@ -463,7 +463,7 @@
           <p:cNvPr id="5" name="页脚占位符 4">
             <a:extLst>
               <a:ext uri="{FF2B5EF4-FFF2-40B4-BE49-F238E27FC236}">
-                <a16:creationId xmlns:a16="http://schemas.microsoft.com/office/drawing/2014/main" id="{0EBEA4F5-4673-1A71-E3BC-F971EE562FA6}"/>
+                <a16:creationId xmlns:a16="http://schemas.microsoft.com/office/drawing/2014/main" id="{72D9048B-6B99-F70D-CE6D-3228FA426D35}"/>
               </a:ext>
             </a:extLst>
           </p:cNvPr>
@@ -488,7 +488,7 @@
           <p:cNvPr id="6" name="灯片编号占位符 5">
             <a:extLst>
               <a:ext uri="{FF2B5EF4-FFF2-40B4-BE49-F238E27FC236}">
-                <a16:creationId xmlns:a16="http://schemas.microsoft.com/office/drawing/2014/main" id="{E509A8F2-F77B-349D-D12C-73877780724D}"/>
+                <a16:creationId xmlns:a16="http://schemas.microsoft.com/office/drawing/2014/main" id="{DFA26763-D6CA-2D16-9A62-D3D24216508A}"/>
               </a:ext>
             </a:extLst>
           </p:cNvPr>
@@ -504,7 +504,7 @@
           <a:bodyPr/>
           <a:lstStyle/>
           <a:p>
-            <a:fld id="{A7611182-53B8-4C0E-9C14-5250F0F6F3EC}" type="slidenum">
+            <a:fld id="{EAD6D1BA-BE3A-41BE-9B2C-02FDE2FD6E46}" type="slidenum">
               <a:rPr lang="zh-CN" altLang="en-US" smtClean="0"/>
               <a:t>‹#›</a:t>
             </a:fld>
@@ -515,7 +515,7 @@
     </p:spTree>
     <p:extLst>
       <p:ext uri="{BB962C8B-B14F-4D97-AF65-F5344CB8AC3E}">
-        <p14:creationId xmlns:p14="http://schemas.microsoft.com/office/powerpoint/2010/main" val="3398020337"/>
+        <p14:creationId xmlns:p14="http://schemas.microsoft.com/office/powerpoint/2010/main" val="3911000628"/>
       </p:ext>
     </p:extLst>
   </p:cSld>
@@ -547,7 +547,7 @@
           <p:cNvPr id="2" name="竖排标题 1">
             <a:extLst>
               <a:ext uri="{FF2B5EF4-FFF2-40B4-BE49-F238E27FC236}">
-                <a16:creationId xmlns:a16="http://schemas.microsoft.com/office/drawing/2014/main" id="{02D5B22E-0AF8-DECC-4A97-3B2D065ADCC2}"/>
+                <a16:creationId xmlns:a16="http://schemas.microsoft.com/office/drawing/2014/main" id="{70E7041D-9C24-1436-EF01-027EF61FDCCF}"/>
               </a:ext>
             </a:extLst>
           </p:cNvPr>
@@ -580,7 +580,7 @@
           <p:cNvPr id="3" name="竖排文字占位符 2">
             <a:extLst>
               <a:ext uri="{FF2B5EF4-FFF2-40B4-BE49-F238E27FC236}">
-                <a16:creationId xmlns:a16="http://schemas.microsoft.com/office/drawing/2014/main" id="{B77866E2-E58B-DCDC-60D5-05973D6F6D1A}"/>
+                <a16:creationId xmlns:a16="http://schemas.microsoft.com/office/drawing/2014/main" id="{64749542-663C-33D1-CD45-8990467AEE98}"/>
               </a:ext>
             </a:extLst>
           </p:cNvPr>
@@ -642,7 +642,7 @@
           <p:cNvPr id="4" name="日期占位符 3">
             <a:extLst>
               <a:ext uri="{FF2B5EF4-FFF2-40B4-BE49-F238E27FC236}">
-                <a16:creationId xmlns:a16="http://schemas.microsoft.com/office/drawing/2014/main" id="{F867A8D2-3B92-CA32-A29D-3E5C3F2F91E8}"/>
+                <a16:creationId xmlns:a16="http://schemas.microsoft.com/office/drawing/2014/main" id="{33F0F07E-0F30-61EF-D4AB-1C6E39730E15}"/>
               </a:ext>
             </a:extLst>
           </p:cNvPr>
@@ -658,7 +658,7 @@
           <a:bodyPr/>
           <a:lstStyle/>
           <a:p>
-            <a:fld id="{321D6D54-3BD6-4809-A21A-BB3B456264A9}" type="datetimeFigureOut">
+            <a:fld id="{2545DA2B-D12F-4645-85EB-B8C7DA9C8F22}" type="datetimeFigureOut">
               <a:rPr lang="zh-CN" altLang="en-US" smtClean="0"/>
               <a:t>2024/3/10</a:t>
             </a:fld>
@@ -671,7 +671,7 @@
           <p:cNvPr id="5" name="页脚占位符 4">
             <a:extLst>
               <a:ext uri="{FF2B5EF4-FFF2-40B4-BE49-F238E27FC236}">
-                <a16:creationId xmlns:a16="http://schemas.microsoft.com/office/drawing/2014/main" id="{3BFA737D-5D86-CC91-D98E-5C1BFD975C6F}"/>
+                <a16:creationId xmlns:a16="http://schemas.microsoft.com/office/drawing/2014/main" id="{889129E0-27B4-631E-528A-D0B13454B6CA}"/>
               </a:ext>
             </a:extLst>
           </p:cNvPr>
@@ -696,7 +696,7 @@
           <p:cNvPr id="6" name="灯片编号占位符 5">
             <a:extLst>
               <a:ext uri="{FF2B5EF4-FFF2-40B4-BE49-F238E27FC236}">
-                <a16:creationId xmlns:a16="http://schemas.microsoft.com/office/drawing/2014/main" id="{CB57ADFD-D190-5CFC-9594-744935840069}"/>
+                <a16:creationId xmlns:a16="http://schemas.microsoft.com/office/drawing/2014/main" id="{C0B663BA-A190-D5DA-34A0-F9203F8EF619}"/>
               </a:ext>
             </a:extLst>
           </p:cNvPr>
@@ -712,7 +712,7 @@
           <a:bodyPr/>
           <a:lstStyle/>
           <a:p>
-            <a:fld id="{A7611182-53B8-4C0E-9C14-5250F0F6F3EC}" type="slidenum">
+            <a:fld id="{EAD6D1BA-BE3A-41BE-9B2C-02FDE2FD6E46}" type="slidenum">
               <a:rPr lang="zh-CN" altLang="en-US" smtClean="0"/>
               <a:t>‹#›</a:t>
             </a:fld>
@@ -723,7 +723,7 @@
     </p:spTree>
     <p:extLst>
       <p:ext uri="{BB962C8B-B14F-4D97-AF65-F5344CB8AC3E}">
-        <p14:creationId xmlns:p14="http://schemas.microsoft.com/office/powerpoint/2010/main" val="2302992503"/>
+        <p14:creationId xmlns:p14="http://schemas.microsoft.com/office/powerpoint/2010/main" val="1440852492"/>
       </p:ext>
     </p:extLst>
   </p:cSld>
@@ -755,7 +755,7 @@
           <p:cNvPr id="2" name="标题 1">
             <a:extLst>
               <a:ext uri="{FF2B5EF4-FFF2-40B4-BE49-F238E27FC236}">
-                <a16:creationId xmlns:a16="http://schemas.microsoft.com/office/drawing/2014/main" id="{EFFB03BC-107A-2ED8-AD51-4D8354B2F65C}"/>
+                <a16:creationId xmlns:a16="http://schemas.microsoft.com/office/drawing/2014/main" id="{416C4D54-DD7B-5BFB-9072-7B1964E925ED}"/>
               </a:ext>
             </a:extLst>
           </p:cNvPr>
@@ -783,7 +783,7 @@
           <p:cNvPr id="3" name="内容占位符 2">
             <a:extLst>
               <a:ext uri="{FF2B5EF4-FFF2-40B4-BE49-F238E27FC236}">
-                <a16:creationId xmlns:a16="http://schemas.microsoft.com/office/drawing/2014/main" id="{4A89A0E7-D71B-C2F2-08B9-87004C004ED4}"/>
+                <a16:creationId xmlns:a16="http://schemas.microsoft.com/office/drawing/2014/main" id="{E412D9BD-E9CF-A92C-E648-F730234A9ED8}"/>
               </a:ext>
             </a:extLst>
           </p:cNvPr>
@@ -840,7 +840,7 @@
           <p:cNvPr id="4" name="日期占位符 3">
             <a:extLst>
               <a:ext uri="{FF2B5EF4-FFF2-40B4-BE49-F238E27FC236}">
-                <a16:creationId xmlns:a16="http://schemas.microsoft.com/office/drawing/2014/main" id="{81187A54-BEF2-B82B-02AF-FA5E1ACE37B3}"/>
+                <a16:creationId xmlns:a16="http://schemas.microsoft.com/office/drawing/2014/main" id="{97799705-8541-5C4C-DA3C-0DBA7253BC43}"/>
               </a:ext>
             </a:extLst>
           </p:cNvPr>
@@ -856,7 +856,7 @@
           <a:bodyPr/>
           <a:lstStyle/>
           <a:p>
-            <a:fld id="{321D6D54-3BD6-4809-A21A-BB3B456264A9}" type="datetimeFigureOut">
+            <a:fld id="{2545DA2B-D12F-4645-85EB-B8C7DA9C8F22}" type="datetimeFigureOut">
               <a:rPr lang="zh-CN" altLang="en-US" smtClean="0"/>
               <a:t>2024/3/10</a:t>
             </a:fld>
@@ -869,7 +869,7 @@
           <p:cNvPr id="5" name="页脚占位符 4">
             <a:extLst>
               <a:ext uri="{FF2B5EF4-FFF2-40B4-BE49-F238E27FC236}">
-                <a16:creationId xmlns:a16="http://schemas.microsoft.com/office/drawing/2014/main" id="{B271E295-DF7F-0C1D-9F83-2A0356083460}"/>
+                <a16:creationId xmlns:a16="http://schemas.microsoft.com/office/drawing/2014/main" id="{DD9B95FF-866F-D32D-BEB4-FB21660AA077}"/>
               </a:ext>
             </a:extLst>
           </p:cNvPr>
@@ -894,7 +894,7 @@
           <p:cNvPr id="6" name="灯片编号占位符 5">
             <a:extLst>
               <a:ext uri="{FF2B5EF4-FFF2-40B4-BE49-F238E27FC236}">
-                <a16:creationId xmlns:a16="http://schemas.microsoft.com/office/drawing/2014/main" id="{579E57C7-5C90-7AA7-FA92-A5B457C10D2B}"/>
+                <a16:creationId xmlns:a16="http://schemas.microsoft.com/office/drawing/2014/main" id="{48B2405D-AB4A-BD9F-1030-258F01DB4EC4}"/>
               </a:ext>
             </a:extLst>
           </p:cNvPr>
@@ -910,7 +910,7 @@
           <a:bodyPr/>
           <a:lstStyle/>
           <a:p>
-            <a:fld id="{A7611182-53B8-4C0E-9C14-5250F0F6F3EC}" type="slidenum">
+            <a:fld id="{EAD6D1BA-BE3A-41BE-9B2C-02FDE2FD6E46}" type="slidenum">
               <a:rPr lang="zh-CN" altLang="en-US" smtClean="0"/>
               <a:t>‹#›</a:t>
             </a:fld>
@@ -921,7 +921,7 @@
     </p:spTree>
     <p:extLst>
       <p:ext uri="{BB962C8B-B14F-4D97-AF65-F5344CB8AC3E}">
-        <p14:creationId xmlns:p14="http://schemas.microsoft.com/office/powerpoint/2010/main" val="1026422107"/>
+        <p14:creationId xmlns:p14="http://schemas.microsoft.com/office/powerpoint/2010/main" val="173274737"/>
       </p:ext>
     </p:extLst>
   </p:cSld>
@@ -953,7 +953,7 @@
           <p:cNvPr id="2" name="标题 1">
             <a:extLst>
               <a:ext uri="{FF2B5EF4-FFF2-40B4-BE49-F238E27FC236}">
-                <a16:creationId xmlns:a16="http://schemas.microsoft.com/office/drawing/2014/main" id="{0A8F6124-0930-70CE-9641-74B38D64092D}"/>
+                <a16:creationId xmlns:a16="http://schemas.microsoft.com/office/drawing/2014/main" id="{1A37E902-004A-4D57-B849-DDC71B45835E}"/>
               </a:ext>
             </a:extLst>
           </p:cNvPr>
@@ -990,7 +990,7 @@
           <p:cNvPr id="3" name="文本占位符 2">
             <a:extLst>
               <a:ext uri="{FF2B5EF4-FFF2-40B4-BE49-F238E27FC236}">
-                <a16:creationId xmlns:a16="http://schemas.microsoft.com/office/drawing/2014/main" id="{935A7E65-2958-CED1-5FC0-FEB11B0C1689}"/>
+                <a16:creationId xmlns:a16="http://schemas.microsoft.com/office/drawing/2014/main" id="{28989024-C91C-CE0E-24F7-46832C94490B}"/>
               </a:ext>
             </a:extLst>
           </p:cNvPr>
@@ -1115,7 +1115,7 @@
           <p:cNvPr id="4" name="日期占位符 3">
             <a:extLst>
               <a:ext uri="{FF2B5EF4-FFF2-40B4-BE49-F238E27FC236}">
-                <a16:creationId xmlns:a16="http://schemas.microsoft.com/office/drawing/2014/main" id="{E94AC828-8B54-05AC-BDCC-B51F69BEE26A}"/>
+                <a16:creationId xmlns:a16="http://schemas.microsoft.com/office/drawing/2014/main" id="{9956A80E-50EC-E659-59BD-1DEDA0E28E00}"/>
               </a:ext>
             </a:extLst>
           </p:cNvPr>
@@ -1131,7 +1131,7 @@
           <a:bodyPr/>
           <a:lstStyle/>
           <a:p>
-            <a:fld id="{321D6D54-3BD6-4809-A21A-BB3B456264A9}" type="datetimeFigureOut">
+            <a:fld id="{2545DA2B-D12F-4645-85EB-B8C7DA9C8F22}" type="datetimeFigureOut">
               <a:rPr lang="zh-CN" altLang="en-US" smtClean="0"/>
               <a:t>2024/3/10</a:t>
             </a:fld>
@@ -1144,7 +1144,7 @@
           <p:cNvPr id="5" name="页脚占位符 4">
             <a:extLst>
               <a:ext uri="{FF2B5EF4-FFF2-40B4-BE49-F238E27FC236}">
-                <a16:creationId xmlns:a16="http://schemas.microsoft.com/office/drawing/2014/main" id="{4E9686DA-3F21-B506-7939-D400D6E03120}"/>
+                <a16:creationId xmlns:a16="http://schemas.microsoft.com/office/drawing/2014/main" id="{A3C1A7D0-914C-DF0F-AA48-C375DCAA2CDA}"/>
               </a:ext>
             </a:extLst>
           </p:cNvPr>
@@ -1169,7 +1169,7 @@
           <p:cNvPr id="6" name="灯片编号占位符 5">
             <a:extLst>
               <a:ext uri="{FF2B5EF4-FFF2-40B4-BE49-F238E27FC236}">
-                <a16:creationId xmlns:a16="http://schemas.microsoft.com/office/drawing/2014/main" id="{1FF5BBC8-60E1-69EF-5E9F-3E052B402032}"/>
+                <a16:creationId xmlns:a16="http://schemas.microsoft.com/office/drawing/2014/main" id="{452B9F34-2605-524E-32F6-FB44D24348B1}"/>
               </a:ext>
             </a:extLst>
           </p:cNvPr>
@@ -1185,7 +1185,7 @@
           <a:bodyPr/>
           <a:lstStyle/>
           <a:p>
-            <a:fld id="{A7611182-53B8-4C0E-9C14-5250F0F6F3EC}" type="slidenum">
+            <a:fld id="{EAD6D1BA-BE3A-41BE-9B2C-02FDE2FD6E46}" type="slidenum">
               <a:rPr lang="zh-CN" altLang="en-US" smtClean="0"/>
               <a:t>‹#›</a:t>
             </a:fld>
@@ -1196,7 +1196,7 @@
     </p:spTree>
     <p:extLst>
       <p:ext uri="{BB962C8B-B14F-4D97-AF65-F5344CB8AC3E}">
-        <p14:creationId xmlns:p14="http://schemas.microsoft.com/office/powerpoint/2010/main" val="1138386085"/>
+        <p14:creationId xmlns:p14="http://schemas.microsoft.com/office/powerpoint/2010/main" val="1135250181"/>
       </p:ext>
     </p:extLst>
   </p:cSld>
@@ -1228,7 +1228,7 @@
           <p:cNvPr id="2" name="标题 1">
             <a:extLst>
               <a:ext uri="{FF2B5EF4-FFF2-40B4-BE49-F238E27FC236}">
-                <a16:creationId xmlns:a16="http://schemas.microsoft.com/office/drawing/2014/main" id="{C2C00427-66D1-E2D5-F5EF-ADE14AFB76DF}"/>
+                <a16:creationId xmlns:a16="http://schemas.microsoft.com/office/drawing/2014/main" id="{9AB7FF9E-D628-F38D-A827-ACA25F0BD9EB}"/>
               </a:ext>
             </a:extLst>
           </p:cNvPr>
@@ -1256,7 +1256,7 @@
           <p:cNvPr id="3" name="内容占位符 2">
             <a:extLst>
               <a:ext uri="{FF2B5EF4-FFF2-40B4-BE49-F238E27FC236}">
-                <a16:creationId xmlns:a16="http://schemas.microsoft.com/office/drawing/2014/main" id="{3362C5B8-2E4F-8CA4-3AF9-05D7056AEFE1}"/>
+                <a16:creationId xmlns:a16="http://schemas.microsoft.com/office/drawing/2014/main" id="{2C0684F6-FE92-2F36-2BF1-BA764EAF89A4}"/>
               </a:ext>
             </a:extLst>
           </p:cNvPr>
@@ -1318,7 +1318,7 @@
           <p:cNvPr id="4" name="内容占位符 3">
             <a:extLst>
               <a:ext uri="{FF2B5EF4-FFF2-40B4-BE49-F238E27FC236}">
-                <a16:creationId xmlns:a16="http://schemas.microsoft.com/office/drawing/2014/main" id="{D7240E74-73A3-AF2C-D9BC-30A57F4DC0DE}"/>
+                <a16:creationId xmlns:a16="http://schemas.microsoft.com/office/drawing/2014/main" id="{1BDEDA8E-8A5E-5AEC-B179-9E4A7BAD421A}"/>
               </a:ext>
             </a:extLst>
           </p:cNvPr>
@@ -1380,7 +1380,7 @@
           <p:cNvPr id="5" name="日期占位符 4">
             <a:extLst>
               <a:ext uri="{FF2B5EF4-FFF2-40B4-BE49-F238E27FC236}">
-                <a16:creationId xmlns:a16="http://schemas.microsoft.com/office/drawing/2014/main" id="{9E5A46C0-4253-53FA-5BE4-360C5E84C30E}"/>
+                <a16:creationId xmlns:a16="http://schemas.microsoft.com/office/drawing/2014/main" id="{CC0AF39E-7ECD-4A84-AFE4-13F6BC1D71CC}"/>
               </a:ext>
             </a:extLst>
           </p:cNvPr>
@@ -1396,7 +1396,7 @@
           <a:bodyPr/>
           <a:lstStyle/>
           <a:p>
-            <a:fld id="{321D6D54-3BD6-4809-A21A-BB3B456264A9}" type="datetimeFigureOut">
+            <a:fld id="{2545DA2B-D12F-4645-85EB-B8C7DA9C8F22}" type="datetimeFigureOut">
               <a:rPr lang="zh-CN" altLang="en-US" smtClean="0"/>
               <a:t>2024/3/10</a:t>
             </a:fld>
@@ -1409,7 +1409,7 @@
           <p:cNvPr id="6" name="页脚占位符 5">
             <a:extLst>
               <a:ext uri="{FF2B5EF4-FFF2-40B4-BE49-F238E27FC236}">
-                <a16:creationId xmlns:a16="http://schemas.microsoft.com/office/drawing/2014/main" id="{510F9CA7-44C1-25AC-BEF9-08ADE914EB2B}"/>
+                <a16:creationId xmlns:a16="http://schemas.microsoft.com/office/drawing/2014/main" id="{02CD5B2C-E781-B920-ECDE-E9DA5F845E56}"/>
               </a:ext>
             </a:extLst>
           </p:cNvPr>
@@ -1434,7 +1434,7 @@
           <p:cNvPr id="7" name="灯片编号占位符 6">
             <a:extLst>
               <a:ext uri="{FF2B5EF4-FFF2-40B4-BE49-F238E27FC236}">
-                <a16:creationId xmlns:a16="http://schemas.microsoft.com/office/drawing/2014/main" id="{809484A7-7E57-F4DB-33AC-D8E3852C9C41}"/>
+                <a16:creationId xmlns:a16="http://schemas.microsoft.com/office/drawing/2014/main" id="{1979CE70-CA0C-92A3-5064-EBB22D7D82DD}"/>
               </a:ext>
             </a:extLst>
           </p:cNvPr>
@@ -1450,7 +1450,7 @@
           <a:bodyPr/>
           <a:lstStyle/>
           <a:p>
-            <a:fld id="{A7611182-53B8-4C0E-9C14-5250F0F6F3EC}" type="slidenum">
+            <a:fld id="{EAD6D1BA-BE3A-41BE-9B2C-02FDE2FD6E46}" type="slidenum">
               <a:rPr lang="zh-CN" altLang="en-US" smtClean="0"/>
               <a:t>‹#›</a:t>
             </a:fld>
@@ -1461,7 +1461,7 @@
     </p:spTree>
     <p:extLst>
       <p:ext uri="{BB962C8B-B14F-4D97-AF65-F5344CB8AC3E}">
-        <p14:creationId xmlns:p14="http://schemas.microsoft.com/office/powerpoint/2010/main" val="4252296125"/>
+        <p14:creationId xmlns:p14="http://schemas.microsoft.com/office/powerpoint/2010/main" val="989107835"/>
       </p:ext>
     </p:extLst>
   </p:cSld>
@@ -1493,7 +1493,7 @@
           <p:cNvPr id="2" name="标题 1">
             <a:extLst>
               <a:ext uri="{FF2B5EF4-FFF2-40B4-BE49-F238E27FC236}">
-                <a16:creationId xmlns:a16="http://schemas.microsoft.com/office/drawing/2014/main" id="{E5D62834-4284-AAF3-E627-29E5EF18E4D9}"/>
+                <a16:creationId xmlns:a16="http://schemas.microsoft.com/office/drawing/2014/main" id="{094A581B-33BE-F819-F4FA-293B5AFE0E49}"/>
               </a:ext>
             </a:extLst>
           </p:cNvPr>
@@ -1526,7 +1526,7 @@
           <p:cNvPr id="3" name="文本占位符 2">
             <a:extLst>
               <a:ext uri="{FF2B5EF4-FFF2-40B4-BE49-F238E27FC236}">
-                <a16:creationId xmlns:a16="http://schemas.microsoft.com/office/drawing/2014/main" id="{FE4B8EB7-6074-84FD-DD1F-E27BA2B6BF40}"/>
+                <a16:creationId xmlns:a16="http://schemas.microsoft.com/office/drawing/2014/main" id="{ED6C1C2A-C114-A35C-2766-8B5516E45979}"/>
               </a:ext>
             </a:extLst>
           </p:cNvPr>
@@ -1597,7 +1597,7 @@
           <p:cNvPr id="4" name="内容占位符 3">
             <a:extLst>
               <a:ext uri="{FF2B5EF4-FFF2-40B4-BE49-F238E27FC236}">
-                <a16:creationId xmlns:a16="http://schemas.microsoft.com/office/drawing/2014/main" id="{95CEEA00-D5C0-4D36-3DFD-56C6FA2A4365}"/>
+                <a16:creationId xmlns:a16="http://schemas.microsoft.com/office/drawing/2014/main" id="{17A724BA-9131-8F41-2AE6-7CCFA303DFFE}"/>
               </a:ext>
             </a:extLst>
           </p:cNvPr>
@@ -1659,7 +1659,7 @@
           <p:cNvPr id="5" name="文本占位符 4">
             <a:extLst>
               <a:ext uri="{FF2B5EF4-FFF2-40B4-BE49-F238E27FC236}">
-                <a16:creationId xmlns:a16="http://schemas.microsoft.com/office/drawing/2014/main" id="{AF207E87-2F24-1FE4-EAFB-F25DD45CA8B4}"/>
+                <a16:creationId xmlns:a16="http://schemas.microsoft.com/office/drawing/2014/main" id="{EF7C4ABF-52C3-F9DF-3970-4F3BF40A32D5}"/>
               </a:ext>
             </a:extLst>
           </p:cNvPr>
@@ -1730,7 +1730,7 @@
           <p:cNvPr id="6" name="内容占位符 5">
             <a:extLst>
               <a:ext uri="{FF2B5EF4-FFF2-40B4-BE49-F238E27FC236}">
-                <a16:creationId xmlns:a16="http://schemas.microsoft.com/office/drawing/2014/main" id="{7FE487BE-79F9-6668-6F48-86EAA077D8C6}"/>
+                <a16:creationId xmlns:a16="http://schemas.microsoft.com/office/drawing/2014/main" id="{AFE47750-5AD3-F1D9-B1DF-0EA87F83833A}"/>
               </a:ext>
             </a:extLst>
           </p:cNvPr>
@@ -1792,7 +1792,7 @@
           <p:cNvPr id="7" name="日期占位符 6">
             <a:extLst>
               <a:ext uri="{FF2B5EF4-FFF2-40B4-BE49-F238E27FC236}">
-                <a16:creationId xmlns:a16="http://schemas.microsoft.com/office/drawing/2014/main" id="{FD8ADB60-DC1E-955D-7736-FCCF3BFD76DA}"/>
+                <a16:creationId xmlns:a16="http://schemas.microsoft.com/office/drawing/2014/main" id="{C9E2DB13-D6C7-1EF3-E891-14B89D8ADDBC}"/>
               </a:ext>
             </a:extLst>
           </p:cNvPr>
@@ -1808,7 +1808,7 @@
           <a:bodyPr/>
           <a:lstStyle/>
           <a:p>
-            <a:fld id="{321D6D54-3BD6-4809-A21A-BB3B456264A9}" type="datetimeFigureOut">
+            <a:fld id="{2545DA2B-D12F-4645-85EB-B8C7DA9C8F22}" type="datetimeFigureOut">
               <a:rPr lang="zh-CN" altLang="en-US" smtClean="0"/>
               <a:t>2024/3/10</a:t>
             </a:fld>
@@ -1821,7 +1821,7 @@
           <p:cNvPr id="8" name="页脚占位符 7">
             <a:extLst>
               <a:ext uri="{FF2B5EF4-FFF2-40B4-BE49-F238E27FC236}">
-                <a16:creationId xmlns:a16="http://schemas.microsoft.com/office/drawing/2014/main" id="{0AF82ABC-4A31-2094-3487-5D965FB6F59F}"/>
+                <a16:creationId xmlns:a16="http://schemas.microsoft.com/office/drawing/2014/main" id="{01397E61-097D-8945-7F6E-DA5F15C789B0}"/>
               </a:ext>
             </a:extLst>
           </p:cNvPr>
@@ -1846,7 +1846,7 @@
           <p:cNvPr id="9" name="灯片编号占位符 8">
             <a:extLst>
               <a:ext uri="{FF2B5EF4-FFF2-40B4-BE49-F238E27FC236}">
-                <a16:creationId xmlns:a16="http://schemas.microsoft.com/office/drawing/2014/main" id="{6985B74F-4D53-E155-DC03-3CBCC5882CF4}"/>
+                <a16:creationId xmlns:a16="http://schemas.microsoft.com/office/drawing/2014/main" id="{C7357B24-48DE-E570-7842-C369183B05CA}"/>
               </a:ext>
             </a:extLst>
           </p:cNvPr>
@@ -1862,7 +1862,7 @@
           <a:bodyPr/>
           <a:lstStyle/>
           <a:p>
-            <a:fld id="{A7611182-53B8-4C0E-9C14-5250F0F6F3EC}" type="slidenum">
+            <a:fld id="{EAD6D1BA-BE3A-41BE-9B2C-02FDE2FD6E46}" type="slidenum">
               <a:rPr lang="zh-CN" altLang="en-US" smtClean="0"/>
               <a:t>‹#›</a:t>
             </a:fld>
@@ -1873,7 +1873,7 @@
     </p:spTree>
     <p:extLst>
       <p:ext uri="{BB962C8B-B14F-4D97-AF65-F5344CB8AC3E}">
-        <p14:creationId xmlns:p14="http://schemas.microsoft.com/office/powerpoint/2010/main" val="1578579370"/>
+        <p14:creationId xmlns:p14="http://schemas.microsoft.com/office/powerpoint/2010/main" val="1299905720"/>
       </p:ext>
     </p:extLst>
   </p:cSld>
@@ -1905,7 +1905,7 @@
           <p:cNvPr id="2" name="标题 1">
             <a:extLst>
               <a:ext uri="{FF2B5EF4-FFF2-40B4-BE49-F238E27FC236}">
-                <a16:creationId xmlns:a16="http://schemas.microsoft.com/office/drawing/2014/main" id="{E64AB69B-792B-65AB-E163-994C57C72B34}"/>
+                <a16:creationId xmlns:a16="http://schemas.microsoft.com/office/drawing/2014/main" id="{17B5ED21-2C6E-FF76-73C7-D76B95AC167A}"/>
               </a:ext>
             </a:extLst>
           </p:cNvPr>
@@ -1933,7 +1933,7 @@
           <p:cNvPr id="3" name="日期占位符 2">
             <a:extLst>
               <a:ext uri="{FF2B5EF4-FFF2-40B4-BE49-F238E27FC236}">
-                <a16:creationId xmlns:a16="http://schemas.microsoft.com/office/drawing/2014/main" id="{B5C29210-F423-AFD1-C38A-3E9CCFA6A92E}"/>
+                <a16:creationId xmlns:a16="http://schemas.microsoft.com/office/drawing/2014/main" id="{161571CA-20BD-284F-3311-9BA107A6BCE1}"/>
               </a:ext>
             </a:extLst>
           </p:cNvPr>
@@ -1949,7 +1949,7 @@
           <a:bodyPr/>
           <a:lstStyle/>
           <a:p>
-            <a:fld id="{321D6D54-3BD6-4809-A21A-BB3B456264A9}" type="datetimeFigureOut">
+            <a:fld id="{2545DA2B-D12F-4645-85EB-B8C7DA9C8F22}" type="datetimeFigureOut">
               <a:rPr lang="zh-CN" altLang="en-US" smtClean="0"/>
               <a:t>2024/3/10</a:t>
             </a:fld>
@@ -1962,7 +1962,7 @@
           <p:cNvPr id="4" name="页脚占位符 3">
             <a:extLst>
               <a:ext uri="{FF2B5EF4-FFF2-40B4-BE49-F238E27FC236}">
-                <a16:creationId xmlns:a16="http://schemas.microsoft.com/office/drawing/2014/main" id="{BDDB7227-6319-4105-56D3-76A68070555D}"/>
+                <a16:creationId xmlns:a16="http://schemas.microsoft.com/office/drawing/2014/main" id="{A6FC1AA1-3069-C862-426C-4783F9E5349F}"/>
               </a:ext>
             </a:extLst>
           </p:cNvPr>
@@ -1987,7 +1987,7 @@
           <p:cNvPr id="5" name="灯片编号占位符 4">
             <a:extLst>
               <a:ext uri="{FF2B5EF4-FFF2-40B4-BE49-F238E27FC236}">
-                <a16:creationId xmlns:a16="http://schemas.microsoft.com/office/drawing/2014/main" id="{F6B48B06-3C2D-46A8-A429-573700F208E4}"/>
+                <a16:creationId xmlns:a16="http://schemas.microsoft.com/office/drawing/2014/main" id="{9EF7BF79-0506-5FF7-65C1-89D06F276C3E}"/>
               </a:ext>
             </a:extLst>
           </p:cNvPr>
@@ -2003,7 +2003,7 @@
           <a:bodyPr/>
           <a:lstStyle/>
           <a:p>
-            <a:fld id="{A7611182-53B8-4C0E-9C14-5250F0F6F3EC}" type="slidenum">
+            <a:fld id="{EAD6D1BA-BE3A-41BE-9B2C-02FDE2FD6E46}" type="slidenum">
               <a:rPr lang="zh-CN" altLang="en-US" smtClean="0"/>
               <a:t>‹#›</a:t>
             </a:fld>
@@ -2014,7 +2014,7 @@
     </p:spTree>
     <p:extLst>
       <p:ext uri="{BB962C8B-B14F-4D97-AF65-F5344CB8AC3E}">
-        <p14:creationId xmlns:p14="http://schemas.microsoft.com/office/powerpoint/2010/main" val="2320637708"/>
+        <p14:creationId xmlns:p14="http://schemas.microsoft.com/office/powerpoint/2010/main" val="1955652275"/>
       </p:ext>
     </p:extLst>
   </p:cSld>
@@ -2046,7 +2046,7 @@
           <p:cNvPr id="2" name="日期占位符 1">
             <a:extLst>
               <a:ext uri="{FF2B5EF4-FFF2-40B4-BE49-F238E27FC236}">
-                <a16:creationId xmlns:a16="http://schemas.microsoft.com/office/drawing/2014/main" id="{5F9FB844-2656-AED1-3BCD-9AB306471EC1}"/>
+                <a16:creationId xmlns:a16="http://schemas.microsoft.com/office/drawing/2014/main" id="{95AC785D-ED3D-BDEA-913C-3E8AAFC5E32B}"/>
               </a:ext>
             </a:extLst>
           </p:cNvPr>
@@ -2062,7 +2062,7 @@
           <a:bodyPr/>
           <a:lstStyle/>
           <a:p>
-            <a:fld id="{321D6D54-3BD6-4809-A21A-BB3B456264A9}" type="datetimeFigureOut">
+            <a:fld id="{2545DA2B-D12F-4645-85EB-B8C7DA9C8F22}" type="datetimeFigureOut">
               <a:rPr lang="zh-CN" altLang="en-US" smtClean="0"/>
               <a:t>2024/3/10</a:t>
             </a:fld>
@@ -2075,7 +2075,7 @@
           <p:cNvPr id="3" name="页脚占位符 2">
             <a:extLst>
               <a:ext uri="{FF2B5EF4-FFF2-40B4-BE49-F238E27FC236}">
-                <a16:creationId xmlns:a16="http://schemas.microsoft.com/office/drawing/2014/main" id="{46008809-AB3D-5BF4-90B9-F696FE95E8C5}"/>
+                <a16:creationId xmlns:a16="http://schemas.microsoft.com/office/drawing/2014/main" id="{D7105854-E9EC-A19E-8503-BCFBCBE986D7}"/>
               </a:ext>
             </a:extLst>
           </p:cNvPr>
@@ -2100,7 +2100,7 @@
           <p:cNvPr id="4" name="灯片编号占位符 3">
             <a:extLst>
               <a:ext uri="{FF2B5EF4-FFF2-40B4-BE49-F238E27FC236}">
-                <a16:creationId xmlns:a16="http://schemas.microsoft.com/office/drawing/2014/main" id="{54C084FF-93E4-A7AC-4477-2ADA02E0E434}"/>
+                <a16:creationId xmlns:a16="http://schemas.microsoft.com/office/drawing/2014/main" id="{00EA9DE4-0382-6598-683D-7DCDCC530212}"/>
               </a:ext>
             </a:extLst>
           </p:cNvPr>
@@ -2116,7 +2116,7 @@
           <a:bodyPr/>
           <a:lstStyle/>
           <a:p>
-            <a:fld id="{A7611182-53B8-4C0E-9C14-5250F0F6F3EC}" type="slidenum">
+            <a:fld id="{EAD6D1BA-BE3A-41BE-9B2C-02FDE2FD6E46}" type="slidenum">
               <a:rPr lang="zh-CN" altLang="en-US" smtClean="0"/>
               <a:t>‹#›</a:t>
             </a:fld>
@@ -2127,7 +2127,7 @@
     </p:spTree>
     <p:extLst>
       <p:ext uri="{BB962C8B-B14F-4D97-AF65-F5344CB8AC3E}">
-        <p14:creationId xmlns:p14="http://schemas.microsoft.com/office/powerpoint/2010/main" val="3971214620"/>
+        <p14:creationId xmlns:p14="http://schemas.microsoft.com/office/powerpoint/2010/main" val="2342482597"/>
       </p:ext>
     </p:extLst>
   </p:cSld>
@@ -2159,7 +2159,7 @@
           <p:cNvPr id="2" name="标题 1">
             <a:extLst>
               <a:ext uri="{FF2B5EF4-FFF2-40B4-BE49-F238E27FC236}">
-                <a16:creationId xmlns:a16="http://schemas.microsoft.com/office/drawing/2014/main" id="{BA68C69E-D9E2-CF31-F349-3CC087127BDA}"/>
+                <a16:creationId xmlns:a16="http://schemas.microsoft.com/office/drawing/2014/main" id="{74DE9878-A557-A9FD-685F-2664E45C57DB}"/>
               </a:ext>
             </a:extLst>
           </p:cNvPr>
@@ -2196,7 +2196,7 @@
           <p:cNvPr id="3" name="内容占位符 2">
             <a:extLst>
               <a:ext uri="{FF2B5EF4-FFF2-40B4-BE49-F238E27FC236}">
-                <a16:creationId xmlns:a16="http://schemas.microsoft.com/office/drawing/2014/main" id="{47084FBD-C055-6AF5-3820-C6A63F5E27AF}"/>
+                <a16:creationId xmlns:a16="http://schemas.microsoft.com/office/drawing/2014/main" id="{D1AB8AC2-E6EE-FA33-1D99-EA37C2356D1F}"/>
               </a:ext>
             </a:extLst>
           </p:cNvPr>
@@ -2286,7 +2286,7 @@
           <p:cNvPr id="4" name="文本占位符 3">
             <a:extLst>
               <a:ext uri="{FF2B5EF4-FFF2-40B4-BE49-F238E27FC236}">
-                <a16:creationId xmlns:a16="http://schemas.microsoft.com/office/drawing/2014/main" id="{2119532D-3CBD-CBD1-7D62-79817904E3AA}"/>
+                <a16:creationId xmlns:a16="http://schemas.microsoft.com/office/drawing/2014/main" id="{E7659ACA-6D73-5ABA-8921-4F279DC29897}"/>
               </a:ext>
             </a:extLst>
           </p:cNvPr>
@@ -2357,7 +2357,7 @@
           <p:cNvPr id="5" name="日期占位符 4">
             <a:extLst>
               <a:ext uri="{FF2B5EF4-FFF2-40B4-BE49-F238E27FC236}">
-                <a16:creationId xmlns:a16="http://schemas.microsoft.com/office/drawing/2014/main" id="{59B0ADF5-E398-6553-A8B4-C64A17629633}"/>
+                <a16:creationId xmlns:a16="http://schemas.microsoft.com/office/drawing/2014/main" id="{DA442266-9E84-377D-CE29-A71074C555D4}"/>
               </a:ext>
             </a:extLst>
           </p:cNvPr>
@@ -2373,7 +2373,7 @@
           <a:bodyPr/>
           <a:lstStyle/>
           <a:p>
-            <a:fld id="{321D6D54-3BD6-4809-A21A-BB3B456264A9}" type="datetimeFigureOut">
+            <a:fld id="{2545DA2B-D12F-4645-85EB-B8C7DA9C8F22}" type="datetimeFigureOut">
               <a:rPr lang="zh-CN" altLang="en-US" smtClean="0"/>
               <a:t>2024/3/10</a:t>
             </a:fld>
@@ -2386,7 +2386,7 @@
           <p:cNvPr id="6" name="页脚占位符 5">
             <a:extLst>
               <a:ext uri="{FF2B5EF4-FFF2-40B4-BE49-F238E27FC236}">
-                <a16:creationId xmlns:a16="http://schemas.microsoft.com/office/drawing/2014/main" id="{FE895179-90CD-EE2B-930C-2AF3E96074FE}"/>
+                <a16:creationId xmlns:a16="http://schemas.microsoft.com/office/drawing/2014/main" id="{C8FCF695-71C0-1B29-A01E-ADD54482EDA1}"/>
               </a:ext>
             </a:extLst>
           </p:cNvPr>
@@ -2411,7 +2411,7 @@
           <p:cNvPr id="7" name="灯片编号占位符 6">
             <a:extLst>
               <a:ext uri="{FF2B5EF4-FFF2-40B4-BE49-F238E27FC236}">
-                <a16:creationId xmlns:a16="http://schemas.microsoft.com/office/drawing/2014/main" id="{C75FDA5A-187F-8C09-C309-AC89847F93EE}"/>
+                <a16:creationId xmlns:a16="http://schemas.microsoft.com/office/drawing/2014/main" id="{26680ACC-A14B-A4DB-A1CA-ECE7575FDB01}"/>
               </a:ext>
             </a:extLst>
           </p:cNvPr>
@@ -2427,7 +2427,7 @@
           <a:bodyPr/>
           <a:lstStyle/>
           <a:p>
-            <a:fld id="{A7611182-53B8-4C0E-9C14-5250F0F6F3EC}" type="slidenum">
+            <a:fld id="{EAD6D1BA-BE3A-41BE-9B2C-02FDE2FD6E46}" type="slidenum">
               <a:rPr lang="zh-CN" altLang="en-US" smtClean="0"/>
               <a:t>‹#›</a:t>
             </a:fld>
@@ -2438,7 +2438,7 @@
     </p:spTree>
     <p:extLst>
       <p:ext uri="{BB962C8B-B14F-4D97-AF65-F5344CB8AC3E}">
-        <p14:creationId xmlns:p14="http://schemas.microsoft.com/office/powerpoint/2010/main" val="2156343890"/>
+        <p14:creationId xmlns:p14="http://schemas.microsoft.com/office/powerpoint/2010/main" val="2906042190"/>
       </p:ext>
     </p:extLst>
   </p:cSld>
@@ -2470,7 +2470,7 @@
           <p:cNvPr id="2" name="标题 1">
             <a:extLst>
               <a:ext uri="{FF2B5EF4-FFF2-40B4-BE49-F238E27FC236}">
-                <a16:creationId xmlns:a16="http://schemas.microsoft.com/office/drawing/2014/main" id="{AF562638-63B0-C785-9083-F27137EFF5CD}"/>
+                <a16:creationId xmlns:a16="http://schemas.microsoft.com/office/drawing/2014/main" id="{C7236F3E-5E9A-AA98-017E-4121258ECC8E}"/>
               </a:ext>
             </a:extLst>
           </p:cNvPr>
@@ -2507,7 +2507,7 @@
           <p:cNvPr id="3" name="图片占位符 2">
             <a:extLst>
               <a:ext uri="{FF2B5EF4-FFF2-40B4-BE49-F238E27FC236}">
-                <a16:creationId xmlns:a16="http://schemas.microsoft.com/office/drawing/2014/main" id="{EF750E6E-9BBF-21A6-4A30-5E5250E2BEB3}"/>
+                <a16:creationId xmlns:a16="http://schemas.microsoft.com/office/drawing/2014/main" id="{25A7EEF7-9F65-99F8-7573-DED6917AA970}"/>
               </a:ext>
             </a:extLst>
           </p:cNvPr>
@@ -2574,7 +2574,7 @@
           <p:cNvPr id="4" name="文本占位符 3">
             <a:extLst>
               <a:ext uri="{FF2B5EF4-FFF2-40B4-BE49-F238E27FC236}">
-                <a16:creationId xmlns:a16="http://schemas.microsoft.com/office/drawing/2014/main" id="{C75334FB-7419-7DDF-1045-49622D9234DE}"/>
+                <a16:creationId xmlns:a16="http://schemas.microsoft.com/office/drawing/2014/main" id="{E37BBB79-2C70-EDEE-B050-1064FEDB1554}"/>
               </a:ext>
             </a:extLst>
           </p:cNvPr>
@@ -2645,7 +2645,7 @@
           <p:cNvPr id="5" name="日期占位符 4">
             <a:extLst>
               <a:ext uri="{FF2B5EF4-FFF2-40B4-BE49-F238E27FC236}">
-                <a16:creationId xmlns:a16="http://schemas.microsoft.com/office/drawing/2014/main" id="{31180441-1BB5-5788-A6ED-5D4092C8203A}"/>
+                <a16:creationId xmlns:a16="http://schemas.microsoft.com/office/drawing/2014/main" id="{796C6B10-0257-DEEF-D945-39AF9C932985}"/>
               </a:ext>
             </a:extLst>
           </p:cNvPr>
@@ -2661,7 +2661,7 @@
           <a:bodyPr/>
           <a:lstStyle/>
           <a:p>
-            <a:fld id="{321D6D54-3BD6-4809-A21A-BB3B456264A9}" type="datetimeFigureOut">
+            <a:fld id="{2545DA2B-D12F-4645-85EB-B8C7DA9C8F22}" type="datetimeFigureOut">
               <a:rPr lang="zh-CN" altLang="en-US" smtClean="0"/>
               <a:t>2024/3/10</a:t>
             </a:fld>
@@ -2674,7 +2674,7 @@
           <p:cNvPr id="6" name="页脚占位符 5">
             <a:extLst>
               <a:ext uri="{FF2B5EF4-FFF2-40B4-BE49-F238E27FC236}">
-                <a16:creationId xmlns:a16="http://schemas.microsoft.com/office/drawing/2014/main" id="{EA10089D-9478-2473-F237-EB70E7C91B47}"/>
+                <a16:creationId xmlns:a16="http://schemas.microsoft.com/office/drawing/2014/main" id="{F31B2DCF-216D-5B06-EFCF-7BE352E2937C}"/>
               </a:ext>
             </a:extLst>
           </p:cNvPr>
@@ -2699,7 +2699,7 @@
           <p:cNvPr id="7" name="灯片编号占位符 6">
             <a:extLst>
               <a:ext uri="{FF2B5EF4-FFF2-40B4-BE49-F238E27FC236}">
-                <a16:creationId xmlns:a16="http://schemas.microsoft.com/office/drawing/2014/main" id="{D2BD56C2-B882-1A20-83D3-86B6C2BD5CFA}"/>
+                <a16:creationId xmlns:a16="http://schemas.microsoft.com/office/drawing/2014/main" id="{1C20B195-182B-7D7D-5903-91C6CA16C557}"/>
               </a:ext>
             </a:extLst>
           </p:cNvPr>
@@ -2715,7 +2715,7 @@
           <a:bodyPr/>
           <a:lstStyle/>
           <a:p>
-            <a:fld id="{A7611182-53B8-4C0E-9C14-5250F0F6F3EC}" type="slidenum">
+            <a:fld id="{EAD6D1BA-BE3A-41BE-9B2C-02FDE2FD6E46}" type="slidenum">
               <a:rPr lang="zh-CN" altLang="en-US" smtClean="0"/>
               <a:t>‹#›</a:t>
             </a:fld>
@@ -2726,7 +2726,7 @@
     </p:spTree>
     <p:extLst>
       <p:ext uri="{BB962C8B-B14F-4D97-AF65-F5344CB8AC3E}">
-        <p14:creationId xmlns:p14="http://schemas.microsoft.com/office/powerpoint/2010/main" val="1414124967"/>
+        <p14:creationId xmlns:p14="http://schemas.microsoft.com/office/powerpoint/2010/main" val="2741354040"/>
       </p:ext>
     </p:extLst>
   </p:cSld>
@@ -2763,7 +2763,7 @@
           <p:cNvPr id="2" name="标题占位符 1">
             <a:extLst>
               <a:ext uri="{FF2B5EF4-FFF2-40B4-BE49-F238E27FC236}">
-                <a16:creationId xmlns:a16="http://schemas.microsoft.com/office/drawing/2014/main" id="{AE87BEC2-DC8D-51B2-0ED4-E7B680E91307}"/>
+                <a16:creationId xmlns:a16="http://schemas.microsoft.com/office/drawing/2014/main" id="{E3ECAECA-E9FA-E8B3-EEE2-090B12B6D794}"/>
               </a:ext>
             </a:extLst>
           </p:cNvPr>
@@ -2801,7 +2801,7 @@
           <p:cNvPr id="3" name="文本占位符 2">
             <a:extLst>
               <a:ext uri="{FF2B5EF4-FFF2-40B4-BE49-F238E27FC236}">
-                <a16:creationId xmlns:a16="http://schemas.microsoft.com/office/drawing/2014/main" id="{4D4F0B9E-00CC-79A3-A72A-8AA61629D140}"/>
+                <a16:creationId xmlns:a16="http://schemas.microsoft.com/office/drawing/2014/main" id="{F4B47C3D-6045-7560-629B-5525FE7C6E32}"/>
               </a:ext>
             </a:extLst>
           </p:cNvPr>
@@ -2868,7 +2868,7 @@
           <p:cNvPr id="4" name="日期占位符 3">
             <a:extLst>
               <a:ext uri="{FF2B5EF4-FFF2-40B4-BE49-F238E27FC236}">
-                <a16:creationId xmlns:a16="http://schemas.microsoft.com/office/drawing/2014/main" id="{D36AA120-B91E-F5AD-23AF-626DFA800C8D}"/>
+                <a16:creationId xmlns:a16="http://schemas.microsoft.com/office/drawing/2014/main" id="{2F9C78D2-8382-34C4-3CCD-0148E26F3430}"/>
               </a:ext>
             </a:extLst>
           </p:cNvPr>
@@ -2902,7 +2902,7 @@
             </a:lvl1pPr>
           </a:lstStyle>
           <a:p>
-            <a:fld id="{321D6D54-3BD6-4809-A21A-BB3B456264A9}" type="datetimeFigureOut">
+            <a:fld id="{2545DA2B-D12F-4645-85EB-B8C7DA9C8F22}" type="datetimeFigureOut">
               <a:rPr lang="zh-CN" altLang="en-US" smtClean="0"/>
               <a:t>2024/3/10</a:t>
             </a:fld>
@@ -2915,7 +2915,7 @@
           <p:cNvPr id="5" name="页脚占位符 4">
             <a:extLst>
               <a:ext uri="{FF2B5EF4-FFF2-40B4-BE49-F238E27FC236}">
-                <a16:creationId xmlns:a16="http://schemas.microsoft.com/office/drawing/2014/main" id="{5D67EFEA-1303-8470-4535-D44024F0AC6B}"/>
+                <a16:creationId xmlns:a16="http://schemas.microsoft.com/office/drawing/2014/main" id="{6F2FFDA7-8FA6-91F2-9A84-CC193FAB950A}"/>
               </a:ext>
             </a:extLst>
           </p:cNvPr>
@@ -2958,7 +2958,7 @@
           <p:cNvPr id="6" name="灯片编号占位符 5">
             <a:extLst>
               <a:ext uri="{FF2B5EF4-FFF2-40B4-BE49-F238E27FC236}">
-                <a16:creationId xmlns:a16="http://schemas.microsoft.com/office/drawing/2014/main" id="{D4602DF2-0A3A-72AF-567D-3AF43E79BAAB}"/>
+                <a16:creationId xmlns:a16="http://schemas.microsoft.com/office/drawing/2014/main" id="{2D2D35F7-0C30-0088-0910-85C724BE9EF1}"/>
               </a:ext>
             </a:extLst>
           </p:cNvPr>
@@ -2992,7 +2992,7 @@
             </a:lvl1pPr>
           </a:lstStyle>
           <a:p>
-            <a:fld id="{A7611182-53B8-4C0E-9C14-5250F0F6F3EC}" type="slidenum">
+            <a:fld id="{EAD6D1BA-BE3A-41BE-9B2C-02FDE2FD6E46}" type="slidenum">
               <a:rPr lang="zh-CN" altLang="en-US" smtClean="0"/>
               <a:t>‹#›</a:t>
             </a:fld>
@@ -3003,7 +3003,7 @@
     </p:spTree>
     <p:extLst>
       <p:ext uri="{BB962C8B-B14F-4D97-AF65-F5344CB8AC3E}">
-        <p14:creationId xmlns:p14="http://schemas.microsoft.com/office/powerpoint/2010/main" val="1996433534"/>
+        <p14:creationId xmlns:p14="http://schemas.microsoft.com/office/powerpoint/2010/main" val="1883283524"/>
       </p:ext>
     </p:extLst>
   </p:cSld>
@@ -3323,7 +3323,7 @@
       </p:grpSpPr>
       <p:pic>
         <p:nvPicPr>
-          <p:cNvPr id="505858" name="Picture 2" descr="493"/>
+          <p:cNvPr id="506882" name="Picture 2" descr="494"/>
           <p:cNvPicPr>
             <a:picLocks noChangeAspect="1" noChangeArrowheads="1"/>
           </p:cNvPicPr>
